--- a/Slides/Lesson 4.4 Non-Empty Lists.pptx
+++ b/Slides/Lesson 4.4 Non-Empty Lists.pptx
@@ -227,7 +227,7 @@
             <a:fld id="{CF8F25F6-E1EF-4065-8525-42EDEBD9BD22}" type="datetimeFigureOut">
               <a:rPr lang="en-US" smtClean="0"/>
               <a:pPr/>
-              <a:t>8/24/2015</a:t>
+              <a:t>8/25/2015</a:t>
             </a:fld>
             <a:endParaRPr lang="en-US"/>
           </a:p>
@@ -1198,7 +1198,7 @@
                 </a:solidFill>
               </a:rPr>
               <a:pPr/>
-              <a:t>8/24/2015</a:t>
+              <a:t>8/25/2015</a:t>
             </a:fld>
             <a:endParaRPr lang="en-US">
               <a:solidFill>
@@ -1332,7 +1332,7 @@
                 </a:solidFill>
               </a:rPr>
               <a:pPr/>
-              <a:t>8/24/2015</a:t>
+              <a:t>8/25/2015</a:t>
             </a:fld>
             <a:endParaRPr lang="en-US">
               <a:solidFill>
@@ -1641,7 +1641,7 @@
                 </a:solidFill>
               </a:rPr>
               <a:pPr/>
-              <a:t>8/24/2015</a:t>
+              <a:t>8/25/2015</a:t>
             </a:fld>
             <a:endParaRPr lang="en-US">
               <a:solidFill>
@@ -1926,7 +1926,7 @@
                 </a:solidFill>
               </a:rPr>
               <a:pPr/>
-              <a:t>8/24/2015</a:t>
+              <a:t>8/25/2015</a:t>
             </a:fld>
             <a:endParaRPr lang="en-US">
               <a:solidFill>
@@ -2128,7 +2128,7 @@
                 </a:solidFill>
               </a:rPr>
               <a:pPr/>
-              <a:t>8/24/2015</a:t>
+              <a:t>8/25/2015</a:t>
             </a:fld>
             <a:endParaRPr lang="en-US">
               <a:solidFill>
@@ -2340,7 +2340,7 @@
                 </a:solidFill>
               </a:rPr>
               <a:pPr/>
-              <a:t>8/24/2015</a:t>
+              <a:t>8/25/2015</a:t>
             </a:fld>
             <a:endParaRPr lang="en-US">
               <a:solidFill>
@@ -2548,7 +2548,7 @@
                 </a:solidFill>
               </a:rPr>
               <a:pPr/>
-              <a:t>8/24/2015</a:t>
+              <a:t>8/25/2015</a:t>
             </a:fld>
             <a:endParaRPr lang="en-US">
               <a:solidFill>
@@ -2762,7 +2762,7 @@
                 </a:solidFill>
               </a:rPr>
               <a:pPr/>
-              <a:t>8/24/2015</a:t>
+              <a:t>8/25/2015</a:t>
             </a:fld>
             <a:endParaRPr lang="en-US">
               <a:solidFill>
@@ -3067,7 +3067,7 @@
                 </a:solidFill>
               </a:rPr>
               <a:pPr/>
-              <a:t>8/24/2015</a:t>
+              <a:t>8/25/2015</a:t>
             </a:fld>
             <a:endParaRPr lang="en-US">
               <a:solidFill>
@@ -3284,7 +3284,7 @@
                 </a:solidFill>
               </a:rPr>
               <a:pPr/>
-              <a:t>8/24/2015</a:t>
+              <a:t>8/25/2015</a:t>
             </a:fld>
             <a:endParaRPr lang="en-US">
               <a:solidFill>
@@ -3618,7 +3618,7 @@
                 </a:solidFill>
               </a:rPr>
               <a:pPr/>
-              <a:t>8/24/2015</a:t>
+              <a:t>8/25/2015</a:t>
             </a:fld>
             <a:endParaRPr lang="en-US">
               <a:solidFill>
@@ -3938,7 +3938,7 @@
                 </a:solidFill>
               </a:rPr>
               <a:pPr/>
-              <a:t>8/24/2015</a:t>
+              <a:t>8/25/2015</a:t>
             </a:fld>
             <a:endParaRPr lang="en-US">
               <a:solidFill>
@@ -4392,7 +4392,7 @@
                 </a:solidFill>
               </a:rPr>
               <a:pPr/>
-              <a:t>8/24/2015</a:t>
+              <a:t>8/25/2015</a:t>
             </a:fld>
             <a:endParaRPr lang="en-US">
               <a:solidFill>
@@ -4542,7 +4542,7 @@
                 </a:solidFill>
               </a:rPr>
               <a:pPr/>
-              <a:t>8/24/2015</a:t>
+              <a:t>8/25/2015</a:t>
             </a:fld>
             <a:endParaRPr lang="en-US">
               <a:solidFill>
@@ -4806,7 +4806,7 @@
                 </a:solidFill>
               </a:rPr>
               <a:pPr/>
-              <a:t>8/24/2015</a:t>
+              <a:t>8/25/2015</a:t>
             </a:fld>
             <a:endParaRPr lang="en-US">
               <a:solidFill>
@@ -7170,15 +7170,7 @@
             </a:r>
             <a:r>
               <a:rPr lang="en-US" sz="1400" dirty="0" smtClean="0"/>
-              <a:t>lists</a:t>
-            </a:r>
-            <a:r>
-              <a:rPr lang="en-US" sz="1400" dirty="0" smtClean="0"/>
-              <a:t>. T</a:t>
-            </a:r>
-            <a:r>
-              <a:rPr lang="en-US" sz="1400" dirty="0" smtClean="0"/>
-              <a:t>hey </a:t>
+              <a:t>lists. They </a:t>
             </a:r>
             <a:r>
               <a:rPr lang="en-US" sz="1400" dirty="0"/>
@@ -7326,19 +7318,8 @@
                 <a:latin typeface="Consolas" pitchFamily="49" charset="0"/>
                 <a:cs typeface="Consolas" pitchFamily="49" charset="0"/>
               </a:rPr>
-              <a:t>Strategy: </a:t>
-            </a:r>
-            <a:r>
-              <a:rPr lang="en-US" sz="2000" b="1" dirty="0" smtClean="0">
-                <a:latin typeface="Consolas" pitchFamily="49" charset="0"/>
-                <a:cs typeface="Consolas" pitchFamily="49" charset="0"/>
-              </a:rPr>
-              <a:t>combine simpler functions</a:t>
-            </a:r>
-            <a:endParaRPr lang="en-US" sz="2000" b="1" dirty="0" smtClean="0">
-              <a:latin typeface="Consolas" pitchFamily="49" charset="0"/>
-              <a:cs typeface="Consolas" pitchFamily="49" charset="0"/>
-            </a:endParaRPr>
+              <a:t>Strategy: combine simpler functions</a:t>
+            </a:r>
           </a:p>
           <a:p>
             <a:pPr>
@@ -7611,11 +7592,7 @@
             </a:r>
             <a:r>
               <a:rPr lang="en-US" sz="1800" dirty="0" smtClean="0"/>
-              <a:t>it </a:t>
-            </a:r>
-            <a:r>
-              <a:rPr lang="en-US" sz="1800" dirty="0" smtClean="0"/>
-              <a:t>by dividing it into simpler pieces and combining the answers for the pieces.</a:t>
+              <a:t>it by dividing it into simpler pieces and combining the answers for the pieces.</a:t>
             </a:r>
             <a:endParaRPr lang="en-US" sz="1800" dirty="0"/>
           </a:p>
@@ -7708,11 +7685,7 @@
             </a:r>
             <a:r>
               <a:rPr lang="en-US" dirty="0" smtClean="0"/>
-              <a:t> </a:t>
-            </a:r>
-            <a:r>
-              <a:rPr lang="en-US" dirty="0" smtClean="0"/>
-              <a:t>is a</a:t>
+              <a:t> is a</a:t>
             </a:r>
           </a:p>
           <a:p>
@@ -7836,11 +7809,7 @@
           <a:p>
             <a:r>
               <a:rPr lang="en-US" dirty="0" smtClean="0"/>
-              <a:t>This one is most often useful with a help function that takes an X and </a:t>
-            </a:r>
-            <a:r>
-              <a:rPr lang="en-US" dirty="0" smtClean="0"/>
-              <a:t>a </a:t>
+              <a:t>This one is most often useful with a help function that takes an X and a </a:t>
             </a:r>
             <a:r>
               <a:rPr lang="en-US" dirty="0" err="1" smtClean="0"/>
@@ -8129,11 +8098,7 @@
           <a:p>
             <a:r>
               <a:rPr lang="en-US" dirty="0" smtClean="0"/>
-              <a:t>You should be able to write down the template for a non-empty list and use </a:t>
-            </a:r>
-            <a:r>
-              <a:rPr lang="en-US" dirty="0" smtClean="0"/>
-              <a:t>it.</a:t>
+              <a:t>You should be able to write down the template for a non-empty list and use it.</a:t>
             </a:r>
             <a:endParaRPr lang="en-US" dirty="0"/>
           </a:p>
@@ -8239,29 +8204,17 @@
           <a:p>
             <a:r>
               <a:rPr lang="en-US" dirty="0" smtClean="0"/>
-              <a:t>Study the files in the Examples folder.</a:t>
-            </a:r>
-          </a:p>
-          <a:p>
-            <a:r>
-              <a:rPr lang="en-US" dirty="0"/>
-              <a:t>Do the Guided </a:t>
+              <a:t>If </a:t>
             </a:r>
             <a:r>
               <a:rPr lang="en-US" dirty="0" smtClean="0"/>
-              <a:t>Practices</a:t>
-            </a:r>
-          </a:p>
-          <a:p>
-            <a:r>
-              <a:rPr lang="en-US" dirty="0" smtClean="0"/>
-              <a:t>If you have questions about this lesson, ask them on the Discussion Board</a:t>
-            </a:r>
-          </a:p>
-          <a:p>
-            <a:r>
-              <a:rPr lang="en-US" dirty="0" smtClean="0"/>
-              <a:t>Go on to the next lesson</a:t>
+              <a:t>you have questions about this lesson, ask them on the Discussion Board</a:t>
+            </a:r>
+          </a:p>
+          <a:p>
+            <a:r>
+              <a:rPr lang="en-US" smtClean="0"/>
+              <a:t>Do Problem Set 04</a:t>
             </a:r>
             <a:endParaRPr lang="en-US" dirty="0"/>
           </a:p>
@@ -8636,22 +8589,13 @@
           <a:p>
             <a:r>
               <a:rPr lang="en-US" dirty="0" smtClean="0"/>
-              <a:t>For these problems, the list template doesn't make sense, </a:t>
-            </a:r>
+              <a:t>For these problems, the list template doesn't make sense, either.</a:t>
+            </a:r>
+          </a:p>
+          <a:p>
             <a:r>
               <a:rPr lang="en-US" dirty="0" smtClean="0"/>
-              <a:t>either.</a:t>
-            </a:r>
-            <a:endParaRPr lang="en-US" dirty="0" smtClean="0"/>
-          </a:p>
-          <a:p>
-            <a:r>
-              <a:rPr lang="en-US" dirty="0" smtClean="0"/>
-              <a:t>For these problems, we use a different data definition and a different template that is tuned for dealing with lists that are always </a:t>
-            </a:r>
-            <a:r>
-              <a:rPr lang="en-US" dirty="0" smtClean="0"/>
-              <a:t>non-empty.</a:t>
+              <a:t>For these problems, we use a different data definition and a different template that is tuned for dealing with lists that are always non-empty.</a:t>
             </a:r>
             <a:endParaRPr lang="en-US" dirty="0"/>
           </a:p>
@@ -10227,14 +10171,7 @@
                 <a:latin typeface="Consolas" pitchFamily="49" charset="0"/>
                 <a:cs typeface="Consolas" pitchFamily="49" charset="0"/>
               </a:rPr>
-              <a:t> </a:t>
-            </a:r>
-            <a:r>
-              <a:rPr lang="en-US" sz="1800" b="1" dirty="0" smtClean="0">
-                <a:latin typeface="Consolas" pitchFamily="49" charset="0"/>
-                <a:cs typeface="Consolas" pitchFamily="49" charset="0"/>
-              </a:rPr>
-              <a:t>is one of</a:t>
+              <a:t> is one of</a:t>
             </a:r>
           </a:p>
           <a:p>
@@ -10319,10 +10256,6 @@
               </a:rPr>
               <a:t>)</a:t>
             </a:r>
-            <a:endParaRPr lang="en-US" sz="1800" b="1" dirty="0" smtClean="0">
-              <a:latin typeface="Consolas" pitchFamily="49" charset="0"/>
-              <a:cs typeface="Consolas" pitchFamily="49" charset="0"/>
-            </a:endParaRPr>
           </a:p>
           <a:p>
             <a:pPr>

--- a/Slides/Lesson 4.4 Non-Empty Lists.pptx
+++ b/Slides/Lesson 4.4 Non-Empty Lists.pptx
@@ -227,7 +227,7 @@
             <a:fld id="{CF8F25F6-E1EF-4065-8525-42EDEBD9BD22}" type="datetimeFigureOut">
               <a:rPr lang="en-US" smtClean="0"/>
               <a:pPr/>
-              <a:t>8/25/2015</a:t>
+              <a:t>9/30/2015</a:t>
             </a:fld>
             <a:endParaRPr lang="en-US"/>
           </a:p>
@@ -1198,7 +1198,7 @@
                 </a:solidFill>
               </a:rPr>
               <a:pPr/>
-              <a:t>8/25/2015</a:t>
+              <a:t>9/30/2015</a:t>
             </a:fld>
             <a:endParaRPr lang="en-US">
               <a:solidFill>
@@ -1332,7 +1332,7 @@
                 </a:solidFill>
               </a:rPr>
               <a:pPr/>
-              <a:t>8/25/2015</a:t>
+              <a:t>9/30/2015</a:t>
             </a:fld>
             <a:endParaRPr lang="en-US">
               <a:solidFill>
@@ -1641,7 +1641,7 @@
                 </a:solidFill>
               </a:rPr>
               <a:pPr/>
-              <a:t>8/25/2015</a:t>
+              <a:t>9/30/2015</a:t>
             </a:fld>
             <a:endParaRPr lang="en-US">
               <a:solidFill>
@@ -1926,7 +1926,7 @@
                 </a:solidFill>
               </a:rPr>
               <a:pPr/>
-              <a:t>8/25/2015</a:t>
+              <a:t>9/30/2015</a:t>
             </a:fld>
             <a:endParaRPr lang="en-US">
               <a:solidFill>
@@ -2128,7 +2128,7 @@
                 </a:solidFill>
               </a:rPr>
               <a:pPr/>
-              <a:t>8/25/2015</a:t>
+              <a:t>9/30/2015</a:t>
             </a:fld>
             <a:endParaRPr lang="en-US">
               <a:solidFill>
@@ -2340,7 +2340,7 @@
                 </a:solidFill>
               </a:rPr>
               <a:pPr/>
-              <a:t>8/25/2015</a:t>
+              <a:t>9/30/2015</a:t>
             </a:fld>
             <a:endParaRPr lang="en-US">
               <a:solidFill>
@@ -2548,7 +2548,7 @@
                 </a:solidFill>
               </a:rPr>
               <a:pPr/>
-              <a:t>8/25/2015</a:t>
+              <a:t>9/30/2015</a:t>
             </a:fld>
             <a:endParaRPr lang="en-US">
               <a:solidFill>
@@ -2762,7 +2762,7 @@
                 </a:solidFill>
               </a:rPr>
               <a:pPr/>
-              <a:t>8/25/2015</a:t>
+              <a:t>9/30/2015</a:t>
             </a:fld>
             <a:endParaRPr lang="en-US">
               <a:solidFill>
@@ -3067,7 +3067,7 @@
                 </a:solidFill>
               </a:rPr>
               <a:pPr/>
-              <a:t>8/25/2015</a:t>
+              <a:t>9/30/2015</a:t>
             </a:fld>
             <a:endParaRPr lang="en-US">
               <a:solidFill>
@@ -3284,7 +3284,7 @@
                 </a:solidFill>
               </a:rPr>
               <a:pPr/>
-              <a:t>8/25/2015</a:t>
+              <a:t>9/30/2015</a:t>
             </a:fld>
             <a:endParaRPr lang="en-US">
               <a:solidFill>
@@ -3618,7 +3618,7 @@
                 </a:solidFill>
               </a:rPr>
               <a:pPr/>
-              <a:t>8/25/2015</a:t>
+              <a:t>9/30/2015</a:t>
             </a:fld>
             <a:endParaRPr lang="en-US">
               <a:solidFill>
@@ -3938,7 +3938,7 @@
                 </a:solidFill>
               </a:rPr>
               <a:pPr/>
-              <a:t>8/25/2015</a:t>
+              <a:t>9/30/2015</a:t>
             </a:fld>
             <a:endParaRPr lang="en-US">
               <a:solidFill>
@@ -4392,7 +4392,7 @@
                 </a:solidFill>
               </a:rPr>
               <a:pPr/>
-              <a:t>8/25/2015</a:t>
+              <a:t>9/30/2015</a:t>
             </a:fld>
             <a:endParaRPr lang="en-US">
               <a:solidFill>
@@ -4542,7 +4542,7 @@
                 </a:solidFill>
               </a:rPr>
               <a:pPr/>
-              <a:t>8/25/2015</a:t>
+              <a:t>9/30/2015</a:t>
             </a:fld>
             <a:endParaRPr lang="en-US">
               <a:solidFill>
@@ -4806,7 +4806,7 @@
                 </a:solidFill>
               </a:rPr>
               <a:pPr/>
-              <a:t>8/25/2015</a:t>
+              <a:t>9/30/2015</a:t>
             </a:fld>
             <a:endParaRPr lang="en-US">
               <a:solidFill>
@@ -7743,6 +7743,13 @@
   <p:clrMapOvr>
     <a:masterClrMapping/>
   </p:clrMapOvr>
+  <p:timing>
+    <p:tnLst>
+      <p:par>
+        <p:cTn id="1" dur="indefinite" restart="never" nodeType="tmRoot"/>
+      </p:par>
+    </p:tnLst>
+  </p:timing>
 </p:sld>
 </file>
 
@@ -7870,6 +7877,13 @@
   <p:clrMapOvr>
     <a:masterClrMapping/>
   </p:clrMapOvr>
+  <p:timing>
+    <p:tnLst>
+      <p:par>
+        <p:cTn id="1" dur="indefinite" restart="never" nodeType="tmRoot"/>
+      </p:par>
+    </p:tnLst>
+  </p:timing>
 </p:sld>
 </file>
 
@@ -7946,8 +7960,13 @@
             </a:r>
             <a:r>
               <a:rPr lang="en-US" dirty="0" smtClean="0"/>
-              <a:t> if that make sense (even if the list in the problem never happens to be empty.</a:t>
-            </a:r>
+              <a:t> if that make sense (even if the list in the problem never happens to be </a:t>
+            </a:r>
+            <a:r>
+              <a:rPr lang="en-US" dirty="0" smtClean="0"/>
+              <a:t>empty).</a:t>
+            </a:r>
+            <a:endParaRPr lang="en-US" dirty="0" smtClean="0"/>
           </a:p>
           <a:p>
             <a:r>
@@ -8032,6 +8051,13 @@
   <p:clrMapOvr>
     <a:masterClrMapping/>
   </p:clrMapOvr>
+  <p:timing>
+    <p:tnLst>
+      <p:par>
+        <p:cTn id="1" dur="indefinite" restart="never" nodeType="tmRoot"/>
+      </p:par>
+    </p:tnLst>
+  </p:timing>
 </p:sld>
 </file>
 
@@ -8204,11 +8230,7 @@
           <a:p>
             <a:r>
               <a:rPr lang="en-US" dirty="0" smtClean="0"/>
-              <a:t>If </a:t>
-            </a:r>
-            <a:r>
-              <a:rPr lang="en-US" dirty="0" smtClean="0"/>
-              <a:t>you have questions about this lesson, ask them on the Discussion Board</a:t>
+              <a:t>If you have questions about this lesson, ask them on the Discussion Board</a:t>
             </a:r>
           </a:p>
           <a:p>
